--- a/ppt/0301-0400/LeetCode 第 377 题：“组合问题 IV”题解配图.pptx
+++ b/ppt/0301-0400/LeetCode 第 377 题：“组合问题 IV”题解配图.pptx
@@ -106,7 +106,7 @@
   </p:defaultTextStyle>
   <p:extLst>
     <p:ext uri="{EFAFB233-063F-42B5-8137-9DF3F51BA10A}">
-      <p15:sldGuideLst xmlns:p15="http://schemas.microsoft.com/office/powerpoint/2012/main"/>
+      <p15:sldGuideLst xmlns:p15="http://schemas.microsoft.com/office/powerpoint/2012/main" xmlns=""/>
     </p:ext>
   </p:extLst>
 </p:presentation>
@@ -134,7 +134,7 @@
           <p:cNvPr id="8" name="矩形 7">
             <a:extLst>
               <a:ext uri="{FF2B5EF4-FFF2-40B4-BE49-F238E27FC236}">
-                <a16:creationId xmlns:a16="http://schemas.microsoft.com/office/drawing/2014/main" id="{F399C0FD-7C40-0147-8ACB-4E13D9DFBB9C}"/>
+                <a16:creationId xmlns:a16="http://schemas.microsoft.com/office/drawing/2014/main" xmlns="" id="{F399C0FD-7C40-0147-8ACB-4E13D9DFBB9C}"/>
               </a:ext>
             </a:extLst>
           </p:cNvPr>
@@ -180,7 +180,7 @@
           <p:cNvPr id="7" name="图片 6">
             <a:extLst>
               <a:ext uri="{FF2B5EF4-FFF2-40B4-BE49-F238E27FC236}">
-                <a16:creationId xmlns:a16="http://schemas.microsoft.com/office/drawing/2014/main" id="{82370E24-12B4-C64E-A72C-43E85C52D83B}"/>
+                <a16:creationId xmlns:a16="http://schemas.microsoft.com/office/drawing/2014/main" xmlns="" id="{82370E24-12B4-C64E-A72C-43E85C52D83B}"/>
               </a:ext>
             </a:extLst>
           </p:cNvPr>
@@ -208,7 +208,7 @@
     </p:spTree>
     <p:extLst>
       <p:ext uri="{BB962C8B-B14F-4D97-AF65-F5344CB8AC3E}">
-        <p14:creationId xmlns:p14="http://schemas.microsoft.com/office/powerpoint/2010/main" val="1392055626"/>
+        <p14:creationId xmlns:p14="http://schemas.microsoft.com/office/powerpoint/2010/main" xmlns="" val="1392055626"/>
       </p:ext>
     </p:extLst>
   </p:cSld>
@@ -346,7 +346,8 @@
           <a:p>
             <a:fld id="{7C955CD6-C544-6447-88CB-A2D8D4C328B3}" type="datetimeFigureOut">
               <a:rPr kumimoji="1" lang="zh-CN" altLang="en-US" smtClean="0"/>
-              <a:t>2019/7/30</a:t>
+              <a:pPr/>
+              <a:t>2020/6/22</a:t>
             </a:fld>
             <a:endParaRPr kumimoji="1" lang="zh-CN" altLang="en-US"/>
           </a:p>
@@ -424,6 +425,7 @@
           <a:p>
             <a:fld id="{502A6B2C-FFFF-F842-A641-B920BDB4AC58}" type="slidenum">
               <a:rPr kumimoji="1" lang="zh-CN" altLang="en-US" smtClean="0"/>
+              <a:pPr/>
               <a:t>‹#›</a:t>
             </a:fld>
             <a:endParaRPr kumimoji="1" lang="zh-CN" altLang="en-US"/>
@@ -433,7 +435,7 @@
     </p:spTree>
     <p:extLst>
       <p:ext uri="{BB962C8B-B14F-4D97-AF65-F5344CB8AC3E}">
-        <p14:creationId xmlns:p14="http://schemas.microsoft.com/office/powerpoint/2010/main" val="1469646871"/>
+        <p14:creationId xmlns:p14="http://schemas.microsoft.com/office/powerpoint/2010/main" xmlns="" val="1469646871"/>
       </p:ext>
     </p:extLst>
   </p:cSld>
@@ -746,7 +748,7 @@
           <p:cNvPr id="2" name="矩形 1">
             <a:extLst>
               <a:ext uri="{FF2B5EF4-FFF2-40B4-BE49-F238E27FC236}">
-                <a16:creationId xmlns:a16="http://schemas.microsoft.com/office/drawing/2014/main" id="{1F26BC90-E641-1940-A88B-D5BB53175221}"/>
+                <a16:creationId xmlns:a16="http://schemas.microsoft.com/office/drawing/2014/main" xmlns="" id="{1F26BC90-E641-1940-A88B-D5BB53175221}"/>
               </a:ext>
             </a:extLst>
           </p:cNvPr>
@@ -871,7 +873,7 @@
           <p:cNvPr id="4" name="图片 3">
             <a:extLst>
               <a:ext uri="{FF2B5EF4-FFF2-40B4-BE49-F238E27FC236}">
-                <a16:creationId xmlns:a16="http://schemas.microsoft.com/office/drawing/2014/main" id="{3FC2E13A-3921-BB40-BF5B-8654E59732C3}"/>
+                <a16:creationId xmlns:a16="http://schemas.microsoft.com/office/drawing/2014/main" xmlns="" id="{3FC2E13A-3921-BB40-BF5B-8654E59732C3}"/>
               </a:ext>
             </a:extLst>
           </p:cNvPr>
@@ -901,7 +903,7 @@
           <p:cNvPr id="5" name="矩形 4">
             <a:extLst>
               <a:ext uri="{FF2B5EF4-FFF2-40B4-BE49-F238E27FC236}">
-                <a16:creationId xmlns:a16="http://schemas.microsoft.com/office/drawing/2014/main" id="{3C734799-94F7-3842-884B-AC2D88261BEC}"/>
+                <a16:creationId xmlns:a16="http://schemas.microsoft.com/office/drawing/2014/main" xmlns="" id="{3C734799-94F7-3842-884B-AC2D88261BEC}"/>
               </a:ext>
             </a:extLst>
           </p:cNvPr>
@@ -1065,6 +1067,14 @@
               </a:rPr>
               <a:t> 的结点剪枝，</a:t>
             </a:r>
+            <a:r>
+              <a:rPr lang="en-US" altLang="zh-CN" dirty="0">
+                <a:latin typeface="Times New Roman" charset="0"/>
+                <a:ea typeface="楷体" charset="-122"/>
+                <a:cs typeface="Times New Roman" charset="0"/>
+              </a:rPr>
+              <a:t/>
+            </a:r>
             <a:br>
               <a:rPr lang="en-US" altLang="zh-CN" dirty="0">
                 <a:latin typeface="Times New Roman" charset="0"/>
@@ -1136,7 +1146,7 @@
           <p:cNvPr id="6" name="矩形 5">
             <a:extLst>
               <a:ext uri="{FF2B5EF4-FFF2-40B4-BE49-F238E27FC236}">
-                <a16:creationId xmlns:a16="http://schemas.microsoft.com/office/drawing/2014/main" id="{0B6A057A-B7B9-974D-BCEB-BA94D7259491}"/>
+                <a16:creationId xmlns:a16="http://schemas.microsoft.com/office/drawing/2014/main" xmlns="" id="{0B6A057A-B7B9-974D-BCEB-BA94D7259491}"/>
               </a:ext>
             </a:extLst>
           </p:cNvPr>
@@ -1217,7 +1227,7 @@
           <p:cNvPr id="7" name="文本框 6">
             <a:extLst>
               <a:ext uri="{FF2B5EF4-FFF2-40B4-BE49-F238E27FC236}">
-                <a16:creationId xmlns:a16="http://schemas.microsoft.com/office/drawing/2014/main" id="{C168F9E9-BB71-C848-A5E1-A3F47100E5AC}"/>
+                <a16:creationId xmlns:a16="http://schemas.microsoft.com/office/drawing/2014/main" xmlns="" id="{C168F9E9-BB71-C848-A5E1-A3F47100E5AC}"/>
               </a:ext>
             </a:extLst>
           </p:cNvPr>
@@ -1273,7 +1283,7 @@
     </p:spTree>
     <p:extLst>
       <p:ext uri="{BB962C8B-B14F-4D97-AF65-F5344CB8AC3E}">
-        <p14:creationId xmlns:p14="http://schemas.microsoft.com/office/powerpoint/2010/main" val="1135097023"/>
+        <p14:creationId xmlns:p14="http://schemas.microsoft.com/office/powerpoint/2010/main" xmlns="" val="1135097023"/>
       </p:ext>
     </p:extLst>
   </p:cSld>
@@ -1326,7 +1336,7 @@
     </a:clrScheme>
     <a:fontScheme name="Office 主题​​">
       <a:majorFont>
-        <a:latin typeface="Calibri Light" panose="020F0302020204030204"/>
+        <a:latin typeface="Calibri Light"/>
         <a:ea typeface=""/>
         <a:cs typeface=""/>
         <a:font script="Jpan" typeface="游ゴシック Light"/>
@@ -1361,7 +1371,7 @@
         <a:font script="Geor" typeface="Sylfaen"/>
       </a:majorFont>
       <a:minorFont>
-        <a:latin typeface="Calibri" panose="020F0502020204030204"/>
+        <a:latin typeface="Calibri"/>
         <a:ea typeface=""/>
         <a:cs typeface=""/>
         <a:font script="Jpan" typeface="游ゴシック"/>
@@ -1538,7 +1548,7 @@
   <a:extraClrSchemeLst/>
   <a:extLst>
     <a:ext uri="{05A4C25C-085E-4340-85A3-A5531E510DB2}">
-      <thm15:themeFamily xmlns:thm15="http://schemas.microsoft.com/office/thememl/2012/main" name="Office Theme" id="{62F939B6-93AF-4DB8-9C6B-D6C7DFDC589F}" vid="{AE6F2518-B084-4896-AF52-66CC2144AA26}"/>
+      <thm15:themeFamily xmlns:thm15="http://schemas.microsoft.com/office/thememl/2012/main" xmlns="" name="Office Theme" id="{62F939B6-93AF-4DB8-9C6B-D6C7DFDC589F}" vid="{AE6F2518-B084-4896-AF52-66CC2144AA26}"/>
     </a:ext>
   </a:extLst>
 </a:theme>
